--- a/#Section7- DB연결 Mybatis 를 사용하자.pptx
+++ b/#Section7- DB연결 Mybatis 를 사용하자.pptx
@@ -8,6 +8,7 @@
     <p:sldId id="271" r:id="rId2"/>
     <p:sldId id="267" r:id="rId3"/>
     <p:sldId id="272" r:id="rId4"/>
+    <p:sldId id="273" r:id="rId5"/>
   </p:sldIdLst>
   <p:sldSz cx="12192000" cy="6858000"/>
   <p:notesSz cx="6858000" cy="9144000"/>
@@ -245,7 +246,7 @@
           <a:p>
             <a:fld id="{1BDE155E-18D0-4AA6-B5E2-4D2CDFF03099}" type="datetimeFigureOut">
               <a:rPr lang="ko-KR" altLang="en-US" smtClean="0"/>
-              <a:t>2023-01-02</a:t>
+              <a:t>2023-01-03</a:t>
             </a:fld>
             <a:endParaRPr lang="ko-KR" altLang="en-US"/>
           </a:p>
@@ -415,7 +416,7 @@
           <a:p>
             <a:fld id="{1BDE155E-18D0-4AA6-B5E2-4D2CDFF03099}" type="datetimeFigureOut">
               <a:rPr lang="ko-KR" altLang="en-US" smtClean="0"/>
-              <a:t>2023-01-02</a:t>
+              <a:t>2023-01-03</a:t>
             </a:fld>
             <a:endParaRPr lang="ko-KR" altLang="en-US"/>
           </a:p>
@@ -595,7 +596,7 @@
           <a:p>
             <a:fld id="{1BDE155E-18D0-4AA6-B5E2-4D2CDFF03099}" type="datetimeFigureOut">
               <a:rPr lang="ko-KR" altLang="en-US" smtClean="0"/>
-              <a:t>2023-01-02</a:t>
+              <a:t>2023-01-03</a:t>
             </a:fld>
             <a:endParaRPr lang="ko-KR" altLang="en-US"/>
           </a:p>
@@ -765,7 +766,7 @@
           <a:p>
             <a:fld id="{1BDE155E-18D0-4AA6-B5E2-4D2CDFF03099}" type="datetimeFigureOut">
               <a:rPr lang="ko-KR" altLang="en-US" smtClean="0"/>
-              <a:t>2023-01-02</a:t>
+              <a:t>2023-01-03</a:t>
             </a:fld>
             <a:endParaRPr lang="ko-KR" altLang="en-US"/>
           </a:p>
@@ -1011,7 +1012,7 @@
           <a:p>
             <a:fld id="{1BDE155E-18D0-4AA6-B5E2-4D2CDFF03099}" type="datetimeFigureOut">
               <a:rPr lang="ko-KR" altLang="en-US" smtClean="0"/>
-              <a:t>2023-01-02</a:t>
+              <a:t>2023-01-03</a:t>
             </a:fld>
             <a:endParaRPr lang="ko-KR" altLang="en-US"/>
           </a:p>
@@ -1243,7 +1244,7 @@
           <a:p>
             <a:fld id="{1BDE155E-18D0-4AA6-B5E2-4D2CDFF03099}" type="datetimeFigureOut">
               <a:rPr lang="ko-KR" altLang="en-US" smtClean="0"/>
-              <a:t>2023-01-02</a:t>
+              <a:t>2023-01-03</a:t>
             </a:fld>
             <a:endParaRPr lang="ko-KR" altLang="en-US"/>
           </a:p>
@@ -1610,7 +1611,7 @@
           <a:p>
             <a:fld id="{1BDE155E-18D0-4AA6-B5E2-4D2CDFF03099}" type="datetimeFigureOut">
               <a:rPr lang="ko-KR" altLang="en-US" smtClean="0"/>
-              <a:t>2023-01-02</a:t>
+              <a:t>2023-01-03</a:t>
             </a:fld>
             <a:endParaRPr lang="ko-KR" altLang="en-US"/>
           </a:p>
@@ -1728,7 +1729,7 @@
           <a:p>
             <a:fld id="{1BDE155E-18D0-4AA6-B5E2-4D2CDFF03099}" type="datetimeFigureOut">
               <a:rPr lang="ko-KR" altLang="en-US" smtClean="0"/>
-              <a:t>2023-01-02</a:t>
+              <a:t>2023-01-03</a:t>
             </a:fld>
             <a:endParaRPr lang="ko-KR" altLang="en-US"/>
           </a:p>
@@ -1823,7 +1824,7 @@
           <a:p>
             <a:fld id="{1BDE155E-18D0-4AA6-B5E2-4D2CDFF03099}" type="datetimeFigureOut">
               <a:rPr lang="ko-KR" altLang="en-US" smtClean="0"/>
-              <a:t>2023-01-02</a:t>
+              <a:t>2023-01-03</a:t>
             </a:fld>
             <a:endParaRPr lang="ko-KR" altLang="en-US"/>
           </a:p>
@@ -2100,7 +2101,7 @@
           <a:p>
             <a:fld id="{1BDE155E-18D0-4AA6-B5E2-4D2CDFF03099}" type="datetimeFigureOut">
               <a:rPr lang="ko-KR" altLang="en-US" smtClean="0"/>
-              <a:t>2023-01-02</a:t>
+              <a:t>2023-01-03</a:t>
             </a:fld>
             <a:endParaRPr lang="ko-KR" altLang="en-US"/>
           </a:p>
@@ -2353,7 +2354,7 @@
           <a:p>
             <a:fld id="{1BDE155E-18D0-4AA6-B5E2-4D2CDFF03099}" type="datetimeFigureOut">
               <a:rPr lang="ko-KR" altLang="en-US" smtClean="0"/>
-              <a:t>2023-01-02</a:t>
+              <a:t>2023-01-03</a:t>
             </a:fld>
             <a:endParaRPr lang="ko-KR" altLang="en-US"/>
           </a:p>
@@ -2566,7 +2567,7 @@
           <a:p>
             <a:fld id="{1BDE155E-18D0-4AA6-B5E2-4D2CDFF03099}" type="datetimeFigureOut">
               <a:rPr lang="ko-KR" altLang="en-US" smtClean="0"/>
-              <a:t>2023-01-02</a:t>
+              <a:t>2023-01-03</a:t>
             </a:fld>
             <a:endParaRPr lang="ko-KR" altLang="en-US"/>
           </a:p>
@@ -11732,6 +11733,1344 @@
 </p:sld>
 </file>
 
+<file path=ppt/slides/slide4.xml><?xml version="1.0" encoding="utf-8"?>
+<p:sld xmlns:a="http://schemas.openxmlformats.org/drawingml/2006/main" xmlns:r="http://schemas.openxmlformats.org/officeDocument/2006/relationships" xmlns:p="http://schemas.openxmlformats.org/presentationml/2006/main">
+  <p:cSld>
+    <p:spTree>
+      <p:nvGrpSpPr>
+        <p:cNvPr id="1" name=""/>
+        <p:cNvGrpSpPr/>
+        <p:nvPr/>
+      </p:nvGrpSpPr>
+      <p:grpSpPr>
+        <a:xfrm>
+          <a:off x="0" y="0"/>
+          <a:ext cx="0" cy="0"/>
+          <a:chOff x="0" y="0"/>
+          <a:chExt cx="0" cy="0"/>
+        </a:xfrm>
+      </p:grpSpPr>
+      <p:cxnSp>
+        <p:nvCxnSpPr>
+          <p:cNvPr id="7" name="직선 연결선 6"/>
+          <p:cNvCxnSpPr/>
+          <p:nvPr/>
+        </p:nvCxnSpPr>
+        <p:spPr>
+          <a:xfrm>
+            <a:off x="4" y="720109"/>
+            <a:ext cx="12192000" cy="0"/>
+          </a:xfrm>
+          <a:prstGeom prst="line">
+            <a:avLst/>
+          </a:prstGeom>
+          <a:ln>
+            <a:solidFill>
+              <a:schemeClr val="tx1"/>
+            </a:solidFill>
+          </a:ln>
+        </p:spPr>
+        <p:style>
+          <a:lnRef idx="1">
+            <a:schemeClr val="accent1"/>
+          </a:lnRef>
+          <a:fillRef idx="0">
+            <a:schemeClr val="accent1"/>
+          </a:fillRef>
+          <a:effectRef idx="0">
+            <a:schemeClr val="accent1"/>
+          </a:effectRef>
+          <a:fontRef idx="minor">
+            <a:schemeClr val="tx1"/>
+          </a:fontRef>
+        </p:style>
+      </p:cxnSp>
+      <p:sp>
+        <p:nvSpPr>
+          <p:cNvPr id="18" name="TextBox 17"/>
+          <p:cNvSpPr txBox="1"/>
+          <p:nvPr/>
+        </p:nvSpPr>
+        <p:spPr>
+          <a:xfrm>
+            <a:off x="476022" y="131137"/>
+            <a:ext cx="3903889" cy="461665"/>
+          </a:xfrm>
+          <a:prstGeom prst="rect">
+            <a:avLst/>
+          </a:prstGeom>
+          <a:noFill/>
+        </p:spPr>
+        <p:txBody>
+          <a:bodyPr wrap="none" rtlCol="0">
+            <a:spAutoFit/>
+          </a:bodyPr>
+          <a:lstStyle/>
+          <a:p>
+            <a:r>
+              <a:rPr lang="ko-KR" altLang="en-US" sz="2400" b="1" dirty="0" smtClean="0"/>
+              <a:t>섹션</a:t>
+            </a:r>
+            <a:r>
+              <a:rPr lang="en-US" altLang="ko-KR" sz="2400" b="1" dirty="0" smtClean="0"/>
+              <a:t>7-6 </a:t>
+            </a:r>
+            <a:r>
+              <a:rPr lang="ko-KR" altLang="en-US" sz="2400" b="1" dirty="0" smtClean="0"/>
+              <a:t>수정 </a:t>
+            </a:r>
+            <a:r>
+              <a:rPr lang="en-US" altLang="ko-KR" sz="2400" b="1" dirty="0" smtClean="0"/>
+              <a:t>Update </a:t>
+            </a:r>
+            <a:r>
+              <a:rPr lang="ko-KR" altLang="en-US" sz="2400" b="1" dirty="0" smtClean="0"/>
+              <a:t>처리</a:t>
+            </a:r>
+            <a:endParaRPr lang="ko-KR" altLang="en-US" sz="2400" b="1" dirty="0"/>
+          </a:p>
+        </p:txBody>
+      </p:sp>
+      <p:sp>
+        <p:nvSpPr>
+          <p:cNvPr id="15" name="TextBox 14"/>
+          <p:cNvSpPr txBox="1"/>
+          <p:nvPr/>
+        </p:nvSpPr>
+        <p:spPr>
+          <a:xfrm>
+            <a:off x="11563453" y="6609916"/>
+            <a:ext cx="628698" cy="246221"/>
+          </a:xfrm>
+          <a:prstGeom prst="rect">
+            <a:avLst/>
+          </a:prstGeom>
+          <a:noFill/>
+        </p:spPr>
+        <p:txBody>
+          <a:bodyPr wrap="none" rtlCol="0">
+            <a:spAutoFit/>
+          </a:bodyPr>
+          <a:lstStyle/>
+          <a:p>
+            <a:r>
+              <a:rPr lang="en-US" altLang="ko-KR" sz="1000" dirty="0" smtClean="0">
+                <a:latin typeface="HY얕은샘물M" panose="02030600000101010101" pitchFamily="18" charset="-127"/>
+                <a:ea typeface="HY얕은샘물M" panose="02030600000101010101" pitchFamily="18" charset="-127"/>
+              </a:rPr>
+              <a:t>IT</a:t>
+            </a:r>
+            <a:r>
+              <a:rPr lang="ko-KR" altLang="en-US" sz="1000" dirty="0" smtClean="0">
+                <a:latin typeface="HY얕은샘물M" panose="02030600000101010101" pitchFamily="18" charset="-127"/>
+                <a:ea typeface="HY얕은샘물M" panose="02030600000101010101" pitchFamily="18" charset="-127"/>
+              </a:rPr>
+              <a:t>늦공 김부장</a:t>
+            </a:r>
+            <a:endParaRPr lang="ko-KR" altLang="en-US" sz="1000" dirty="0">
+              <a:latin typeface="HY얕은샘물M" panose="02030600000101010101" pitchFamily="18" charset="-127"/>
+              <a:ea typeface="HY얕은샘물M" panose="02030600000101010101" pitchFamily="18" charset="-127"/>
+            </a:endParaRPr>
+          </a:p>
+        </p:txBody>
+      </p:sp>
+      <p:pic>
+        <p:nvPicPr>
+          <p:cNvPr id="8" name="그림 7"/>
+          <p:cNvPicPr>
+            <a:picLocks noChangeAspect="1"/>
+          </p:cNvPicPr>
+          <p:nvPr/>
+        </p:nvPicPr>
+        <p:blipFill>
+          <a:blip r:embed="rId2"/>
+          <a:stretch>
+            <a:fillRect/>
+          </a:stretch>
+        </p:blipFill>
+        <p:spPr>
+          <a:xfrm>
+            <a:off x="476022" y="2946112"/>
+            <a:ext cx="1910842" cy="1251790"/>
+          </a:xfrm>
+          <a:prstGeom prst="rect">
+            <a:avLst/>
+          </a:prstGeom>
+          <a:ln>
+            <a:solidFill>
+              <a:schemeClr val="bg1">
+                <a:lumMod val="50000"/>
+              </a:schemeClr>
+            </a:solidFill>
+          </a:ln>
+        </p:spPr>
+      </p:pic>
+      <p:sp>
+        <p:nvSpPr>
+          <p:cNvPr id="3" name="직사각형 2"/>
+          <p:cNvSpPr/>
+          <p:nvPr/>
+        </p:nvSpPr>
+        <p:spPr>
+          <a:xfrm>
+            <a:off x="4772410" y="1459059"/>
+            <a:ext cx="1940943" cy="518493"/>
+          </a:xfrm>
+          <a:prstGeom prst="rect">
+            <a:avLst/>
+          </a:prstGeom>
+          <a:solidFill>
+            <a:schemeClr val="accent4">
+              <a:lumMod val="20000"/>
+              <a:lumOff val="80000"/>
+            </a:schemeClr>
+          </a:solidFill>
+        </p:spPr>
+        <p:style>
+          <a:lnRef idx="2">
+            <a:schemeClr val="accent1">
+              <a:shade val="50000"/>
+            </a:schemeClr>
+          </a:lnRef>
+          <a:fillRef idx="1">
+            <a:schemeClr val="accent1"/>
+          </a:fillRef>
+          <a:effectRef idx="0">
+            <a:schemeClr val="accent1"/>
+          </a:effectRef>
+          <a:fontRef idx="minor">
+            <a:schemeClr val="lt1"/>
+          </a:fontRef>
+        </p:style>
+        <p:txBody>
+          <a:bodyPr rtlCol="0" anchor="ctr"/>
+          <a:lstStyle/>
+          <a:p>
+            <a:pPr algn="ctr"/>
+            <a:r>
+              <a:rPr lang="ko-KR" altLang="en-US" b="1" dirty="0" smtClean="0">
+                <a:solidFill>
+                  <a:schemeClr val="tx1"/>
+                </a:solidFill>
+              </a:rPr>
+              <a:t>조회 </a:t>
+            </a:r>
+            <a:r>
+              <a:rPr lang="en-US" altLang="ko-KR" b="1" dirty="0" smtClean="0">
+                <a:solidFill>
+                  <a:schemeClr val="tx1"/>
+                </a:solidFill>
+              </a:rPr>
+              <a:t>Select</a:t>
+            </a:r>
+            <a:endParaRPr lang="ko-KR" altLang="en-US" b="1" dirty="0">
+              <a:solidFill>
+                <a:schemeClr val="tx1"/>
+              </a:solidFill>
+            </a:endParaRPr>
+          </a:p>
+        </p:txBody>
+      </p:sp>
+      <p:sp>
+        <p:nvSpPr>
+          <p:cNvPr id="10" name="Google Shape;61;p13"/>
+          <p:cNvSpPr/>
+          <p:nvPr/>
+        </p:nvSpPr>
+        <p:spPr>
+          <a:xfrm>
+            <a:off x="9051260" y="2726040"/>
+            <a:ext cx="1728277" cy="1665264"/>
+          </a:xfrm>
+          <a:prstGeom prst="can">
+            <a:avLst>
+              <a:gd name="adj" fmla="val 25000"/>
+            </a:avLst>
+          </a:prstGeom>
+          <a:solidFill>
+            <a:schemeClr val="accent3"/>
+          </a:solidFill>
+          <a:ln w="9525" cap="flat" cmpd="sng">
+            <a:solidFill>
+              <a:schemeClr val="dk2"/>
+            </a:solidFill>
+            <a:prstDash val="solid"/>
+            <a:round/>
+            <a:headEnd type="none" w="sm" len="sm"/>
+            <a:tailEnd type="none" w="sm" len="sm"/>
+          </a:ln>
+        </p:spPr>
+        <p:txBody>
+          <a:bodyPr spcFirstLastPara="1" wrap="square" lIns="91425" tIns="91425" rIns="91425" bIns="91425" anchor="t" anchorCtr="0">
+            <a:noAutofit/>
+          </a:bodyPr>
+          <a:lstStyle>
+            <a:defPPr marR="0" lvl="0" algn="l" rtl="0">
+              <a:lnSpc>
+                <a:spcPct val="100000"/>
+              </a:lnSpc>
+              <a:spcBef>
+                <a:spcPts val="0"/>
+              </a:spcBef>
+              <a:spcAft>
+                <a:spcPts val="0"/>
+              </a:spcAft>
+            </a:defPPr>
+            <a:lvl1pPr marR="0" lvl="0" algn="l" rtl="0">
+              <a:lnSpc>
+                <a:spcPct val="100000"/>
+              </a:lnSpc>
+              <a:spcBef>
+                <a:spcPts val="0"/>
+              </a:spcBef>
+              <a:spcAft>
+                <a:spcPts val="0"/>
+              </a:spcAft>
+              <a:buClr>
+                <a:srgbClr val="000000"/>
+              </a:buClr>
+              <a:buFont typeface="Arial"/>
+              <a:defRPr sz="1400" b="0" i="0" u="none" strike="noStrike" cap="none">
+                <a:solidFill>
+                  <a:srgbClr val="000000"/>
+                </a:solidFill>
+                <a:latin typeface="Arial"/>
+                <a:ea typeface="Arial"/>
+                <a:cs typeface="Arial"/>
+                <a:sym typeface="Arial"/>
+              </a:defRPr>
+            </a:lvl1pPr>
+            <a:lvl2pPr marR="0" lvl="1" algn="l" rtl="0">
+              <a:lnSpc>
+                <a:spcPct val="100000"/>
+              </a:lnSpc>
+              <a:spcBef>
+                <a:spcPts val="0"/>
+              </a:spcBef>
+              <a:spcAft>
+                <a:spcPts val="0"/>
+              </a:spcAft>
+              <a:buClr>
+                <a:srgbClr val="000000"/>
+              </a:buClr>
+              <a:buFont typeface="Arial"/>
+              <a:defRPr sz="1400" b="0" i="0" u="none" strike="noStrike" cap="none">
+                <a:solidFill>
+                  <a:srgbClr val="000000"/>
+                </a:solidFill>
+                <a:latin typeface="Arial"/>
+                <a:ea typeface="Arial"/>
+                <a:cs typeface="Arial"/>
+                <a:sym typeface="Arial"/>
+              </a:defRPr>
+            </a:lvl2pPr>
+            <a:lvl3pPr marR="0" lvl="2" algn="l" rtl="0">
+              <a:lnSpc>
+                <a:spcPct val="100000"/>
+              </a:lnSpc>
+              <a:spcBef>
+                <a:spcPts val="0"/>
+              </a:spcBef>
+              <a:spcAft>
+                <a:spcPts val="0"/>
+              </a:spcAft>
+              <a:buClr>
+                <a:srgbClr val="000000"/>
+              </a:buClr>
+              <a:buFont typeface="Arial"/>
+              <a:defRPr sz="1400" b="0" i="0" u="none" strike="noStrike" cap="none">
+                <a:solidFill>
+                  <a:srgbClr val="000000"/>
+                </a:solidFill>
+                <a:latin typeface="Arial"/>
+                <a:ea typeface="Arial"/>
+                <a:cs typeface="Arial"/>
+                <a:sym typeface="Arial"/>
+              </a:defRPr>
+            </a:lvl3pPr>
+            <a:lvl4pPr marR="0" lvl="3" algn="l" rtl="0">
+              <a:lnSpc>
+                <a:spcPct val="100000"/>
+              </a:lnSpc>
+              <a:spcBef>
+                <a:spcPts val="0"/>
+              </a:spcBef>
+              <a:spcAft>
+                <a:spcPts val="0"/>
+              </a:spcAft>
+              <a:buClr>
+                <a:srgbClr val="000000"/>
+              </a:buClr>
+              <a:buFont typeface="Arial"/>
+              <a:defRPr sz="1400" b="0" i="0" u="none" strike="noStrike" cap="none">
+                <a:solidFill>
+                  <a:srgbClr val="000000"/>
+                </a:solidFill>
+                <a:latin typeface="Arial"/>
+                <a:ea typeface="Arial"/>
+                <a:cs typeface="Arial"/>
+                <a:sym typeface="Arial"/>
+              </a:defRPr>
+            </a:lvl4pPr>
+            <a:lvl5pPr marR="0" lvl="4" algn="l" rtl="0">
+              <a:lnSpc>
+                <a:spcPct val="100000"/>
+              </a:lnSpc>
+              <a:spcBef>
+                <a:spcPts val="0"/>
+              </a:spcBef>
+              <a:spcAft>
+                <a:spcPts val="0"/>
+              </a:spcAft>
+              <a:buClr>
+                <a:srgbClr val="000000"/>
+              </a:buClr>
+              <a:buFont typeface="Arial"/>
+              <a:defRPr sz="1400" b="0" i="0" u="none" strike="noStrike" cap="none">
+                <a:solidFill>
+                  <a:srgbClr val="000000"/>
+                </a:solidFill>
+                <a:latin typeface="Arial"/>
+                <a:ea typeface="Arial"/>
+                <a:cs typeface="Arial"/>
+                <a:sym typeface="Arial"/>
+              </a:defRPr>
+            </a:lvl5pPr>
+            <a:lvl6pPr marR="0" lvl="5" algn="l" rtl="0">
+              <a:lnSpc>
+                <a:spcPct val="100000"/>
+              </a:lnSpc>
+              <a:spcBef>
+                <a:spcPts val="0"/>
+              </a:spcBef>
+              <a:spcAft>
+                <a:spcPts val="0"/>
+              </a:spcAft>
+              <a:buClr>
+                <a:srgbClr val="000000"/>
+              </a:buClr>
+              <a:buFont typeface="Arial"/>
+              <a:defRPr sz="1400" b="0" i="0" u="none" strike="noStrike" cap="none">
+                <a:solidFill>
+                  <a:srgbClr val="000000"/>
+                </a:solidFill>
+                <a:latin typeface="Arial"/>
+                <a:ea typeface="Arial"/>
+                <a:cs typeface="Arial"/>
+                <a:sym typeface="Arial"/>
+              </a:defRPr>
+            </a:lvl6pPr>
+            <a:lvl7pPr marR="0" lvl="6" algn="l" rtl="0">
+              <a:lnSpc>
+                <a:spcPct val="100000"/>
+              </a:lnSpc>
+              <a:spcBef>
+                <a:spcPts val="0"/>
+              </a:spcBef>
+              <a:spcAft>
+                <a:spcPts val="0"/>
+              </a:spcAft>
+              <a:buClr>
+                <a:srgbClr val="000000"/>
+              </a:buClr>
+              <a:buFont typeface="Arial"/>
+              <a:defRPr sz="1400" b="0" i="0" u="none" strike="noStrike" cap="none">
+                <a:solidFill>
+                  <a:srgbClr val="000000"/>
+                </a:solidFill>
+                <a:latin typeface="Arial"/>
+                <a:ea typeface="Arial"/>
+                <a:cs typeface="Arial"/>
+                <a:sym typeface="Arial"/>
+              </a:defRPr>
+            </a:lvl7pPr>
+            <a:lvl8pPr marR="0" lvl="7" algn="l" rtl="0">
+              <a:lnSpc>
+                <a:spcPct val="100000"/>
+              </a:lnSpc>
+              <a:spcBef>
+                <a:spcPts val="0"/>
+              </a:spcBef>
+              <a:spcAft>
+                <a:spcPts val="0"/>
+              </a:spcAft>
+              <a:buClr>
+                <a:srgbClr val="000000"/>
+              </a:buClr>
+              <a:buFont typeface="Arial"/>
+              <a:defRPr sz="1400" b="0" i="0" u="none" strike="noStrike" cap="none">
+                <a:solidFill>
+                  <a:srgbClr val="000000"/>
+                </a:solidFill>
+                <a:latin typeface="Arial"/>
+                <a:ea typeface="Arial"/>
+                <a:cs typeface="Arial"/>
+                <a:sym typeface="Arial"/>
+              </a:defRPr>
+            </a:lvl8pPr>
+            <a:lvl9pPr marR="0" lvl="8" algn="l" rtl="0">
+              <a:lnSpc>
+                <a:spcPct val="100000"/>
+              </a:lnSpc>
+              <a:spcBef>
+                <a:spcPts val="0"/>
+              </a:spcBef>
+              <a:spcAft>
+                <a:spcPts val="0"/>
+              </a:spcAft>
+              <a:buClr>
+                <a:srgbClr val="000000"/>
+              </a:buClr>
+              <a:buFont typeface="Arial"/>
+              <a:defRPr sz="1400" b="0" i="0" u="none" strike="noStrike" cap="none">
+                <a:solidFill>
+                  <a:srgbClr val="000000"/>
+                </a:solidFill>
+                <a:latin typeface="Arial"/>
+                <a:ea typeface="Arial"/>
+                <a:cs typeface="Arial"/>
+                <a:sym typeface="Arial"/>
+              </a:defRPr>
+            </a:lvl9pPr>
+          </a:lstStyle>
+          <a:p>
+            <a:pPr marL="0" lvl="0" indent="0" algn="ctr" rtl="0">
+              <a:spcBef>
+                <a:spcPts val="0"/>
+              </a:spcBef>
+              <a:spcAft>
+                <a:spcPts val="0"/>
+              </a:spcAft>
+              <a:buNone/>
+            </a:pPr>
+            <a:r>
+              <a:rPr lang="en-US" altLang="ko" sz="1600" b="1" dirty="0" smtClean="0">
+                <a:solidFill>
+                  <a:srgbClr val="0000FF"/>
+                </a:solidFill>
+              </a:rPr>
+              <a:t>DBMS</a:t>
+            </a:r>
+            <a:endParaRPr sz="1600" b="1" dirty="0">
+              <a:solidFill>
+                <a:srgbClr val="0000FF"/>
+              </a:solidFill>
+            </a:endParaRPr>
+          </a:p>
+        </p:txBody>
+      </p:sp>
+      <p:pic>
+        <p:nvPicPr>
+          <p:cNvPr id="11" name="그림 10"/>
+          <p:cNvPicPr>
+            <a:picLocks noChangeAspect="1"/>
+          </p:cNvPicPr>
+          <p:nvPr/>
+        </p:nvPicPr>
+        <p:blipFill>
+          <a:blip r:embed="rId3"/>
+          <a:stretch>
+            <a:fillRect/>
+          </a:stretch>
+        </p:blipFill>
+        <p:spPr>
+          <a:xfrm>
+            <a:off x="9551528" y="3718808"/>
+            <a:ext cx="727740" cy="545805"/>
+          </a:xfrm>
+          <a:prstGeom prst="rect">
+            <a:avLst/>
+          </a:prstGeom>
+          <a:ln>
+            <a:solidFill>
+              <a:schemeClr val="tx1"/>
+            </a:solidFill>
+          </a:ln>
+        </p:spPr>
+      </p:pic>
+      <p:sp>
+        <p:nvSpPr>
+          <p:cNvPr id="12" name="직사각형 11"/>
+          <p:cNvSpPr/>
+          <p:nvPr/>
+        </p:nvSpPr>
+        <p:spPr>
+          <a:xfrm>
+            <a:off x="4772409" y="2681616"/>
+            <a:ext cx="1940943" cy="518493"/>
+          </a:xfrm>
+          <a:prstGeom prst="rect">
+            <a:avLst/>
+          </a:prstGeom>
+          <a:solidFill>
+            <a:schemeClr val="accent4">
+              <a:lumMod val="20000"/>
+              <a:lumOff val="80000"/>
+            </a:schemeClr>
+          </a:solidFill>
+        </p:spPr>
+        <p:style>
+          <a:lnRef idx="2">
+            <a:schemeClr val="accent1">
+              <a:shade val="50000"/>
+            </a:schemeClr>
+          </a:lnRef>
+          <a:fillRef idx="1">
+            <a:schemeClr val="accent1"/>
+          </a:fillRef>
+          <a:effectRef idx="0">
+            <a:schemeClr val="accent1"/>
+          </a:effectRef>
+          <a:fontRef idx="minor">
+            <a:schemeClr val="lt1"/>
+          </a:fontRef>
+        </p:style>
+        <p:txBody>
+          <a:bodyPr rtlCol="0" anchor="ctr"/>
+          <a:lstStyle/>
+          <a:p>
+            <a:pPr algn="ctr"/>
+            <a:r>
+              <a:rPr lang="ko-KR" altLang="en-US" b="1" dirty="0" smtClean="0">
+                <a:solidFill>
+                  <a:schemeClr val="tx1"/>
+                </a:solidFill>
+              </a:rPr>
+              <a:t>등록 </a:t>
+            </a:r>
+            <a:r>
+              <a:rPr lang="en-US" altLang="ko-KR" b="1" dirty="0" smtClean="0">
+                <a:solidFill>
+                  <a:schemeClr val="tx1"/>
+                </a:solidFill>
+              </a:rPr>
+              <a:t>Insert</a:t>
+            </a:r>
+            <a:endParaRPr lang="ko-KR" altLang="en-US" b="1" dirty="0">
+              <a:solidFill>
+                <a:schemeClr val="tx1"/>
+              </a:solidFill>
+            </a:endParaRPr>
+          </a:p>
+        </p:txBody>
+      </p:sp>
+      <p:sp>
+        <p:nvSpPr>
+          <p:cNvPr id="13" name="직사각형 12"/>
+          <p:cNvSpPr/>
+          <p:nvPr/>
+        </p:nvSpPr>
+        <p:spPr>
+          <a:xfrm>
+            <a:off x="4772408" y="3965883"/>
+            <a:ext cx="1940943" cy="518493"/>
+          </a:xfrm>
+          <a:prstGeom prst="rect">
+            <a:avLst/>
+          </a:prstGeom>
+          <a:solidFill>
+            <a:schemeClr val="accent4">
+              <a:lumMod val="20000"/>
+              <a:lumOff val="80000"/>
+            </a:schemeClr>
+          </a:solidFill>
+        </p:spPr>
+        <p:style>
+          <a:lnRef idx="2">
+            <a:schemeClr val="accent1">
+              <a:shade val="50000"/>
+            </a:schemeClr>
+          </a:lnRef>
+          <a:fillRef idx="1">
+            <a:schemeClr val="accent1"/>
+          </a:fillRef>
+          <a:effectRef idx="0">
+            <a:schemeClr val="accent1"/>
+          </a:effectRef>
+          <a:fontRef idx="minor">
+            <a:schemeClr val="lt1"/>
+          </a:fontRef>
+        </p:style>
+        <p:txBody>
+          <a:bodyPr rtlCol="0" anchor="ctr"/>
+          <a:lstStyle/>
+          <a:p>
+            <a:pPr algn="ctr"/>
+            <a:r>
+              <a:rPr lang="ko-KR" altLang="en-US" b="1" dirty="0" smtClean="0">
+                <a:solidFill>
+                  <a:schemeClr val="tx1"/>
+                </a:solidFill>
+              </a:rPr>
+              <a:t>수정 </a:t>
+            </a:r>
+            <a:r>
+              <a:rPr lang="en-US" altLang="ko-KR" b="1" dirty="0" smtClean="0">
+                <a:solidFill>
+                  <a:schemeClr val="tx1"/>
+                </a:solidFill>
+              </a:rPr>
+              <a:t>Update</a:t>
+            </a:r>
+            <a:endParaRPr lang="ko-KR" altLang="en-US" b="1" dirty="0">
+              <a:solidFill>
+                <a:schemeClr val="tx1"/>
+              </a:solidFill>
+            </a:endParaRPr>
+          </a:p>
+        </p:txBody>
+      </p:sp>
+      <p:sp>
+        <p:nvSpPr>
+          <p:cNvPr id="14" name="직사각형 13"/>
+          <p:cNvSpPr/>
+          <p:nvPr/>
+        </p:nvSpPr>
+        <p:spPr>
+          <a:xfrm>
+            <a:off x="4772408" y="5250151"/>
+            <a:ext cx="1940943" cy="518493"/>
+          </a:xfrm>
+          <a:prstGeom prst="rect">
+            <a:avLst/>
+          </a:prstGeom>
+          <a:solidFill>
+            <a:schemeClr val="accent4">
+              <a:lumMod val="20000"/>
+              <a:lumOff val="80000"/>
+            </a:schemeClr>
+          </a:solidFill>
+        </p:spPr>
+        <p:style>
+          <a:lnRef idx="2">
+            <a:schemeClr val="accent1">
+              <a:shade val="50000"/>
+            </a:schemeClr>
+          </a:lnRef>
+          <a:fillRef idx="1">
+            <a:schemeClr val="accent1"/>
+          </a:fillRef>
+          <a:effectRef idx="0">
+            <a:schemeClr val="accent1"/>
+          </a:effectRef>
+          <a:fontRef idx="minor">
+            <a:schemeClr val="lt1"/>
+          </a:fontRef>
+        </p:style>
+        <p:txBody>
+          <a:bodyPr rtlCol="0" anchor="ctr"/>
+          <a:lstStyle/>
+          <a:p>
+            <a:pPr algn="ctr"/>
+            <a:r>
+              <a:rPr lang="ko-KR" altLang="en-US" b="1" smtClean="0">
+                <a:solidFill>
+                  <a:schemeClr val="tx1"/>
+                </a:solidFill>
+              </a:rPr>
+              <a:t>삭제 </a:t>
+            </a:r>
+            <a:r>
+              <a:rPr lang="en-US" altLang="ko-KR" b="1" dirty="0" smtClean="0">
+                <a:solidFill>
+                  <a:schemeClr val="tx1"/>
+                </a:solidFill>
+              </a:rPr>
+              <a:t>Delete</a:t>
+            </a:r>
+            <a:endParaRPr lang="ko-KR" altLang="en-US" b="1" dirty="0">
+              <a:solidFill>
+                <a:schemeClr val="tx1"/>
+              </a:solidFill>
+            </a:endParaRPr>
+          </a:p>
+        </p:txBody>
+      </p:sp>
+      <p:cxnSp>
+        <p:nvCxnSpPr>
+          <p:cNvPr id="9" name="직선 연결선 8"/>
+          <p:cNvCxnSpPr>
+            <a:stCxn id="8" idx="3"/>
+            <a:endCxn id="3" idx="1"/>
+          </p:cNvCxnSpPr>
+          <p:nvPr/>
+        </p:nvCxnSpPr>
+        <p:spPr>
+          <a:xfrm flipV="1">
+            <a:off x="2386864" y="1718306"/>
+            <a:ext cx="2385546" cy="1853701"/>
+          </a:xfrm>
+          <a:prstGeom prst="line">
+            <a:avLst/>
+          </a:prstGeom>
+          <a:ln>
+            <a:solidFill>
+              <a:schemeClr val="bg1">
+                <a:lumMod val="65000"/>
+              </a:schemeClr>
+            </a:solidFill>
+            <a:prstDash val="sysDash"/>
+          </a:ln>
+        </p:spPr>
+        <p:style>
+          <a:lnRef idx="1">
+            <a:schemeClr val="accent1"/>
+          </a:lnRef>
+          <a:fillRef idx="0">
+            <a:schemeClr val="accent1"/>
+          </a:fillRef>
+          <a:effectRef idx="0">
+            <a:schemeClr val="accent1"/>
+          </a:effectRef>
+          <a:fontRef idx="minor">
+            <a:schemeClr val="tx1"/>
+          </a:fontRef>
+        </p:style>
+      </p:cxnSp>
+      <p:cxnSp>
+        <p:nvCxnSpPr>
+          <p:cNvPr id="19" name="직선 연결선 18"/>
+          <p:cNvCxnSpPr>
+            <a:stCxn id="3" idx="3"/>
+            <a:endCxn id="10" idx="2"/>
+          </p:cNvCxnSpPr>
+          <p:nvPr/>
+        </p:nvCxnSpPr>
+        <p:spPr>
+          <a:xfrm>
+            <a:off x="6713353" y="1718306"/>
+            <a:ext cx="2337907" cy="1840366"/>
+          </a:xfrm>
+          <a:prstGeom prst="line">
+            <a:avLst/>
+          </a:prstGeom>
+          <a:ln>
+            <a:solidFill>
+              <a:schemeClr val="bg1">
+                <a:lumMod val="65000"/>
+              </a:schemeClr>
+            </a:solidFill>
+            <a:prstDash val="sysDash"/>
+          </a:ln>
+        </p:spPr>
+        <p:style>
+          <a:lnRef idx="1">
+            <a:schemeClr val="accent1"/>
+          </a:lnRef>
+          <a:fillRef idx="0">
+            <a:schemeClr val="accent1"/>
+          </a:fillRef>
+          <a:effectRef idx="0">
+            <a:schemeClr val="accent1"/>
+          </a:effectRef>
+          <a:fontRef idx="minor">
+            <a:schemeClr val="tx1"/>
+          </a:fontRef>
+        </p:style>
+      </p:cxnSp>
+      <p:pic>
+        <p:nvPicPr>
+          <p:cNvPr id="22" name="그림 21"/>
+          <p:cNvPicPr>
+            <a:picLocks noChangeAspect="1"/>
+          </p:cNvPicPr>
+          <p:nvPr/>
+        </p:nvPicPr>
+        <p:blipFill>
+          <a:blip r:embed="rId2"/>
+          <a:stretch>
+            <a:fillRect/>
+          </a:stretch>
+        </p:blipFill>
+        <p:spPr>
+          <a:xfrm>
+            <a:off x="3600068" y="2726040"/>
+            <a:ext cx="864418" cy="566279"/>
+          </a:xfrm>
+          <a:prstGeom prst="rect">
+            <a:avLst/>
+          </a:prstGeom>
+          <a:ln>
+            <a:solidFill>
+              <a:schemeClr val="bg1">
+                <a:lumMod val="50000"/>
+              </a:schemeClr>
+            </a:solidFill>
+          </a:ln>
+        </p:spPr>
+      </p:pic>
+      <p:pic>
+        <p:nvPicPr>
+          <p:cNvPr id="23" name="그림 22"/>
+          <p:cNvPicPr>
+            <a:picLocks noChangeAspect="1"/>
+          </p:cNvPicPr>
+          <p:nvPr/>
+        </p:nvPicPr>
+        <p:blipFill>
+          <a:blip r:embed="rId2"/>
+          <a:stretch>
+            <a:fillRect/>
+          </a:stretch>
+        </p:blipFill>
+        <p:spPr>
+          <a:xfrm>
+            <a:off x="3657856" y="3957639"/>
+            <a:ext cx="864418" cy="566279"/>
+          </a:xfrm>
+          <a:prstGeom prst="rect">
+            <a:avLst/>
+          </a:prstGeom>
+          <a:ln>
+            <a:solidFill>
+              <a:schemeClr val="bg1">
+                <a:lumMod val="50000"/>
+              </a:schemeClr>
+            </a:solidFill>
+          </a:ln>
+        </p:spPr>
+      </p:pic>
+      <p:cxnSp>
+        <p:nvCxnSpPr>
+          <p:cNvPr id="25" name="직선 연결선 24"/>
+          <p:cNvCxnSpPr>
+            <a:stCxn id="8" idx="3"/>
+            <a:endCxn id="22" idx="1"/>
+          </p:cNvCxnSpPr>
+          <p:nvPr/>
+        </p:nvCxnSpPr>
+        <p:spPr>
+          <a:xfrm flipV="1">
+            <a:off x="2386864" y="3009180"/>
+            <a:ext cx="1213204" cy="562827"/>
+          </a:xfrm>
+          <a:prstGeom prst="line">
+            <a:avLst/>
+          </a:prstGeom>
+          <a:ln>
+            <a:solidFill>
+              <a:schemeClr val="bg1">
+                <a:lumMod val="65000"/>
+              </a:schemeClr>
+            </a:solidFill>
+            <a:prstDash val="sysDash"/>
+          </a:ln>
+        </p:spPr>
+        <p:style>
+          <a:lnRef idx="1">
+            <a:schemeClr val="accent1"/>
+          </a:lnRef>
+          <a:fillRef idx="0">
+            <a:schemeClr val="accent1"/>
+          </a:fillRef>
+          <a:effectRef idx="0">
+            <a:schemeClr val="accent1"/>
+          </a:effectRef>
+          <a:fontRef idx="minor">
+            <a:schemeClr val="tx1"/>
+          </a:fontRef>
+        </p:style>
+      </p:cxnSp>
+      <p:cxnSp>
+        <p:nvCxnSpPr>
+          <p:cNvPr id="27" name="직선 연결선 26"/>
+          <p:cNvCxnSpPr>
+            <a:stCxn id="22" idx="3"/>
+            <a:endCxn id="12" idx="1"/>
+          </p:cNvCxnSpPr>
+          <p:nvPr/>
+        </p:nvCxnSpPr>
+        <p:spPr>
+          <a:xfrm flipV="1">
+            <a:off x="4464486" y="2940863"/>
+            <a:ext cx="307923" cy="68317"/>
+          </a:xfrm>
+          <a:prstGeom prst="line">
+            <a:avLst/>
+          </a:prstGeom>
+          <a:ln>
+            <a:solidFill>
+              <a:schemeClr val="bg1">
+                <a:lumMod val="65000"/>
+              </a:schemeClr>
+            </a:solidFill>
+            <a:prstDash val="sysDash"/>
+          </a:ln>
+        </p:spPr>
+        <p:style>
+          <a:lnRef idx="1">
+            <a:schemeClr val="accent1"/>
+          </a:lnRef>
+          <a:fillRef idx="0">
+            <a:schemeClr val="accent1"/>
+          </a:fillRef>
+          <a:effectRef idx="0">
+            <a:schemeClr val="accent1"/>
+          </a:effectRef>
+          <a:fontRef idx="minor">
+            <a:schemeClr val="tx1"/>
+          </a:fontRef>
+        </p:style>
+      </p:cxnSp>
+      <p:cxnSp>
+        <p:nvCxnSpPr>
+          <p:cNvPr id="29" name="직선 연결선 28"/>
+          <p:cNvCxnSpPr>
+            <a:stCxn id="12" idx="3"/>
+            <a:endCxn id="10" idx="2"/>
+          </p:cNvCxnSpPr>
+          <p:nvPr/>
+        </p:nvCxnSpPr>
+        <p:spPr>
+          <a:xfrm>
+            <a:off x="6713352" y="2940863"/>
+            <a:ext cx="2337908" cy="617809"/>
+          </a:xfrm>
+          <a:prstGeom prst="line">
+            <a:avLst/>
+          </a:prstGeom>
+          <a:ln>
+            <a:solidFill>
+              <a:schemeClr val="bg1">
+                <a:lumMod val="65000"/>
+              </a:schemeClr>
+            </a:solidFill>
+            <a:prstDash val="sysDash"/>
+          </a:ln>
+        </p:spPr>
+        <p:style>
+          <a:lnRef idx="1">
+            <a:schemeClr val="accent1"/>
+          </a:lnRef>
+          <a:fillRef idx="0">
+            <a:schemeClr val="accent1"/>
+          </a:fillRef>
+          <a:effectRef idx="0">
+            <a:schemeClr val="accent1"/>
+          </a:effectRef>
+          <a:fontRef idx="minor">
+            <a:schemeClr val="tx1"/>
+          </a:fontRef>
+        </p:style>
+      </p:cxnSp>
+      <p:cxnSp>
+        <p:nvCxnSpPr>
+          <p:cNvPr id="31" name="직선 연결선 30"/>
+          <p:cNvCxnSpPr>
+            <a:stCxn id="8" idx="3"/>
+            <a:endCxn id="23" idx="1"/>
+          </p:cNvCxnSpPr>
+          <p:nvPr/>
+        </p:nvCxnSpPr>
+        <p:spPr>
+          <a:xfrm>
+            <a:off x="2386864" y="3572007"/>
+            <a:ext cx="1270992" cy="668772"/>
+          </a:xfrm>
+          <a:prstGeom prst="line">
+            <a:avLst/>
+          </a:prstGeom>
+          <a:ln w="38100">
+            <a:solidFill>
+              <a:srgbClr val="0000CC"/>
+            </a:solidFill>
+          </a:ln>
+        </p:spPr>
+        <p:style>
+          <a:lnRef idx="1">
+            <a:schemeClr val="accent1"/>
+          </a:lnRef>
+          <a:fillRef idx="0">
+            <a:schemeClr val="accent1"/>
+          </a:fillRef>
+          <a:effectRef idx="0">
+            <a:schemeClr val="accent1"/>
+          </a:effectRef>
+          <a:fontRef idx="minor">
+            <a:schemeClr val="tx1"/>
+          </a:fontRef>
+        </p:style>
+      </p:cxnSp>
+      <p:cxnSp>
+        <p:nvCxnSpPr>
+          <p:cNvPr id="33" name="직선 연결선 32"/>
+          <p:cNvCxnSpPr>
+            <a:stCxn id="23" idx="0"/>
+            <a:endCxn id="3" idx="2"/>
+          </p:cNvCxnSpPr>
+          <p:nvPr/>
+        </p:nvCxnSpPr>
+        <p:spPr>
+          <a:xfrm flipV="1">
+            <a:off x="4090065" y="1977552"/>
+            <a:ext cx="1652817" cy="1980087"/>
+          </a:xfrm>
+          <a:prstGeom prst="line">
+            <a:avLst/>
+          </a:prstGeom>
+          <a:ln w="38100">
+            <a:solidFill>
+              <a:srgbClr val="0000CC"/>
+            </a:solidFill>
+          </a:ln>
+        </p:spPr>
+        <p:style>
+          <a:lnRef idx="1">
+            <a:schemeClr val="accent1"/>
+          </a:lnRef>
+          <a:fillRef idx="0">
+            <a:schemeClr val="accent1"/>
+          </a:fillRef>
+          <a:effectRef idx="0">
+            <a:schemeClr val="accent1"/>
+          </a:effectRef>
+          <a:fontRef idx="minor">
+            <a:schemeClr val="tx1"/>
+          </a:fontRef>
+        </p:style>
+      </p:cxnSp>
+      <p:cxnSp>
+        <p:nvCxnSpPr>
+          <p:cNvPr id="36" name="직선 연결선 35"/>
+          <p:cNvCxnSpPr>
+            <a:stCxn id="23" idx="3"/>
+            <a:endCxn id="13" idx="1"/>
+          </p:cNvCxnSpPr>
+          <p:nvPr/>
+        </p:nvCxnSpPr>
+        <p:spPr>
+          <a:xfrm flipV="1">
+            <a:off x="4522274" y="4225130"/>
+            <a:ext cx="250134" cy="15649"/>
+          </a:xfrm>
+          <a:prstGeom prst="line">
+            <a:avLst/>
+          </a:prstGeom>
+        </p:spPr>
+        <p:style>
+          <a:lnRef idx="1">
+            <a:schemeClr val="accent1"/>
+          </a:lnRef>
+          <a:fillRef idx="0">
+            <a:schemeClr val="accent1"/>
+          </a:fillRef>
+          <a:effectRef idx="0">
+            <a:schemeClr val="accent1"/>
+          </a:effectRef>
+          <a:fontRef idx="minor">
+            <a:schemeClr val="tx1"/>
+          </a:fontRef>
+        </p:style>
+      </p:cxnSp>
+      <p:cxnSp>
+        <p:nvCxnSpPr>
+          <p:cNvPr id="38" name="직선 연결선 37"/>
+          <p:cNvCxnSpPr>
+            <a:stCxn id="13" idx="3"/>
+            <a:endCxn id="10" idx="2"/>
+          </p:cNvCxnSpPr>
+          <p:nvPr/>
+        </p:nvCxnSpPr>
+        <p:spPr>
+          <a:xfrm flipV="1">
+            <a:off x="6713351" y="3558672"/>
+            <a:ext cx="2337909" cy="666458"/>
+          </a:xfrm>
+          <a:prstGeom prst="line">
+            <a:avLst/>
+          </a:prstGeom>
+          <a:ln w="38100">
+            <a:solidFill>
+              <a:srgbClr val="C00000"/>
+            </a:solidFill>
+          </a:ln>
+        </p:spPr>
+        <p:style>
+          <a:lnRef idx="1">
+            <a:schemeClr val="accent1"/>
+          </a:lnRef>
+          <a:fillRef idx="0">
+            <a:schemeClr val="accent1"/>
+          </a:fillRef>
+          <a:effectRef idx="0">
+            <a:schemeClr val="accent1"/>
+          </a:effectRef>
+          <a:fontRef idx="minor">
+            <a:schemeClr val="tx1"/>
+          </a:fontRef>
+        </p:style>
+      </p:cxnSp>
+      <p:cxnSp>
+        <p:nvCxnSpPr>
+          <p:cNvPr id="41" name="직선 연결선 40"/>
+          <p:cNvCxnSpPr>
+            <a:stCxn id="8" idx="3"/>
+            <a:endCxn id="14" idx="1"/>
+          </p:cNvCxnSpPr>
+          <p:nvPr/>
+        </p:nvCxnSpPr>
+        <p:spPr>
+          <a:xfrm>
+            <a:off x="2386864" y="3572007"/>
+            <a:ext cx="2385544" cy="1937391"/>
+          </a:xfrm>
+          <a:prstGeom prst="line">
+            <a:avLst/>
+          </a:prstGeom>
+          <a:ln>
+            <a:solidFill>
+              <a:schemeClr val="bg1">
+                <a:lumMod val="65000"/>
+              </a:schemeClr>
+            </a:solidFill>
+            <a:prstDash val="sysDash"/>
+          </a:ln>
+        </p:spPr>
+        <p:style>
+          <a:lnRef idx="1">
+            <a:schemeClr val="accent1"/>
+          </a:lnRef>
+          <a:fillRef idx="0">
+            <a:schemeClr val="accent1"/>
+          </a:fillRef>
+          <a:effectRef idx="0">
+            <a:schemeClr val="accent1"/>
+          </a:effectRef>
+          <a:fontRef idx="minor">
+            <a:schemeClr val="tx1"/>
+          </a:fontRef>
+        </p:style>
+      </p:cxnSp>
+      <p:cxnSp>
+        <p:nvCxnSpPr>
+          <p:cNvPr id="43" name="직선 연결선 42"/>
+          <p:cNvCxnSpPr>
+            <a:stCxn id="14" idx="3"/>
+            <a:endCxn id="10" idx="2"/>
+          </p:cNvCxnSpPr>
+          <p:nvPr/>
+        </p:nvCxnSpPr>
+        <p:spPr>
+          <a:xfrm flipV="1">
+            <a:off x="6713351" y="3558672"/>
+            <a:ext cx="2337909" cy="1950726"/>
+          </a:xfrm>
+          <a:prstGeom prst="line">
+            <a:avLst/>
+          </a:prstGeom>
+          <a:ln>
+            <a:solidFill>
+              <a:schemeClr val="bg1">
+                <a:lumMod val="65000"/>
+              </a:schemeClr>
+            </a:solidFill>
+            <a:prstDash val="sysDash"/>
+          </a:ln>
+        </p:spPr>
+        <p:style>
+          <a:lnRef idx="1">
+            <a:schemeClr val="accent1"/>
+          </a:lnRef>
+          <a:fillRef idx="0">
+            <a:schemeClr val="accent1"/>
+          </a:fillRef>
+          <a:effectRef idx="0">
+            <a:schemeClr val="accent1"/>
+          </a:effectRef>
+          <a:fontRef idx="minor">
+            <a:schemeClr val="tx1"/>
+          </a:fontRef>
+        </p:style>
+      </p:cxnSp>
+      <p:cxnSp>
+        <p:nvCxnSpPr>
+          <p:cNvPr id="47" name="직선 연결선 46"/>
+          <p:cNvCxnSpPr>
+            <a:stCxn id="10" idx="2"/>
+            <a:endCxn id="3" idx="2"/>
+          </p:cNvCxnSpPr>
+          <p:nvPr/>
+        </p:nvCxnSpPr>
+        <p:spPr>
+          <a:xfrm flipH="1" flipV="1">
+            <a:off x="5742882" y="1977552"/>
+            <a:ext cx="3308378" cy="1581120"/>
+          </a:xfrm>
+          <a:prstGeom prst="line">
+            <a:avLst/>
+          </a:prstGeom>
+          <a:ln w="38100">
+            <a:solidFill>
+              <a:srgbClr val="0000CC"/>
+            </a:solidFill>
+          </a:ln>
+        </p:spPr>
+        <p:style>
+          <a:lnRef idx="1">
+            <a:schemeClr val="accent1"/>
+          </a:lnRef>
+          <a:fillRef idx="0">
+            <a:schemeClr val="accent1"/>
+          </a:fillRef>
+          <a:effectRef idx="0">
+            <a:schemeClr val="accent1"/>
+          </a:effectRef>
+          <a:fontRef idx="minor">
+            <a:schemeClr val="tx1"/>
+          </a:fontRef>
+        </p:style>
+      </p:cxnSp>
+      <p:cxnSp>
+        <p:nvCxnSpPr>
+          <p:cNvPr id="50" name="직선 연결선 49"/>
+          <p:cNvCxnSpPr>
+            <a:stCxn id="23" idx="3"/>
+            <a:endCxn id="13" idx="1"/>
+          </p:cNvCxnSpPr>
+          <p:nvPr/>
+        </p:nvCxnSpPr>
+        <p:spPr>
+          <a:xfrm flipV="1">
+            <a:off x="4522274" y="4225130"/>
+            <a:ext cx="250134" cy="15649"/>
+          </a:xfrm>
+          <a:prstGeom prst="line">
+            <a:avLst/>
+          </a:prstGeom>
+          <a:ln w="38100">
+            <a:solidFill>
+              <a:srgbClr val="C00000"/>
+            </a:solidFill>
+          </a:ln>
+        </p:spPr>
+        <p:style>
+          <a:lnRef idx="1">
+            <a:schemeClr val="accent1"/>
+          </a:lnRef>
+          <a:fillRef idx="0">
+            <a:schemeClr val="accent1"/>
+          </a:fillRef>
+          <a:effectRef idx="0">
+            <a:schemeClr val="accent1"/>
+          </a:effectRef>
+          <a:fontRef idx="minor">
+            <a:schemeClr val="tx1"/>
+          </a:fontRef>
+        </p:style>
+      </p:cxnSp>
+    </p:spTree>
+    <p:extLst>
+      <p:ext uri="{BB962C8B-B14F-4D97-AF65-F5344CB8AC3E}">
+        <p14:creationId xmlns:p14="http://schemas.microsoft.com/office/powerpoint/2010/main" val="4233900223"/>
+      </p:ext>
+    </p:extLst>
+  </p:cSld>
+  <p:clrMapOvr>
+    <a:masterClrMapping/>
+  </p:clrMapOvr>
+</p:sld>
+</file>
+
 <file path=ppt/theme/theme1.xml><?xml version="1.0" encoding="utf-8"?>
 <a:theme xmlns:a="http://schemas.openxmlformats.org/drawingml/2006/main" name="Office 테마">
   <a:themeElements>
